--- a/IntroductionToPython.pptx
+++ b/IntroductionToPython.pptx
@@ -115,6 +115,11 @@
       </a:defRPr>
     </a:lvl9pPr>
   </p:defaultTextStyle>
+  <p:extLst>
+    <p:ext uri="{EFAFB233-063F-42B5-8137-9DF3F51BA10A}">
+      <p15:sldGuideLst xmlns:p15="http://schemas.microsoft.com/office/powerpoint/2012/main"/>
+    </p:ext>
+  </p:extLst>
 </p:presentation>
 </file>
 
@@ -267,7 +272,7 @@
           <a:p>
             <a:fld id="{F4FF5F66-A46B-42C7-973F-41E2F010D167}" type="datetimeFigureOut">
               <a:rPr lang="fr-FR" smtClean="0"/>
-              <a:t>12/09/2025</a:t>
+              <a:t>13/09/2025</a:t>
             </a:fld>
             <a:endParaRPr lang="fr-FR"/>
           </a:p>
@@ -467,7 +472,7 @@
           <a:p>
             <a:fld id="{F4FF5F66-A46B-42C7-973F-41E2F010D167}" type="datetimeFigureOut">
               <a:rPr lang="fr-FR" smtClean="0"/>
-              <a:t>12/09/2025</a:t>
+              <a:t>13/09/2025</a:t>
             </a:fld>
             <a:endParaRPr lang="fr-FR"/>
           </a:p>
@@ -677,7 +682,7 @@
           <a:p>
             <a:fld id="{F4FF5F66-A46B-42C7-973F-41E2F010D167}" type="datetimeFigureOut">
               <a:rPr lang="fr-FR" smtClean="0"/>
-              <a:t>12/09/2025</a:t>
+              <a:t>13/09/2025</a:t>
             </a:fld>
             <a:endParaRPr lang="fr-FR"/>
           </a:p>
@@ -877,7 +882,7 @@
           <a:p>
             <a:fld id="{F4FF5F66-A46B-42C7-973F-41E2F010D167}" type="datetimeFigureOut">
               <a:rPr lang="fr-FR" smtClean="0"/>
-              <a:t>12/09/2025</a:t>
+              <a:t>13/09/2025</a:t>
             </a:fld>
             <a:endParaRPr lang="fr-FR"/>
           </a:p>
@@ -1153,7 +1158,7 @@
           <a:p>
             <a:fld id="{F4FF5F66-A46B-42C7-973F-41E2F010D167}" type="datetimeFigureOut">
               <a:rPr lang="fr-FR" smtClean="0"/>
-              <a:t>12/09/2025</a:t>
+              <a:t>13/09/2025</a:t>
             </a:fld>
             <a:endParaRPr lang="fr-FR"/>
           </a:p>
@@ -1421,7 +1426,7 @@
           <a:p>
             <a:fld id="{F4FF5F66-A46B-42C7-973F-41E2F010D167}" type="datetimeFigureOut">
               <a:rPr lang="fr-FR" smtClean="0"/>
-              <a:t>12/09/2025</a:t>
+              <a:t>13/09/2025</a:t>
             </a:fld>
             <a:endParaRPr lang="fr-FR"/>
           </a:p>
@@ -1836,7 +1841,7 @@
           <a:p>
             <a:fld id="{F4FF5F66-A46B-42C7-973F-41E2F010D167}" type="datetimeFigureOut">
               <a:rPr lang="fr-FR" smtClean="0"/>
-              <a:t>12/09/2025</a:t>
+              <a:t>13/09/2025</a:t>
             </a:fld>
             <a:endParaRPr lang="fr-FR"/>
           </a:p>
@@ -1978,7 +1983,7 @@
           <a:p>
             <a:fld id="{F4FF5F66-A46B-42C7-973F-41E2F010D167}" type="datetimeFigureOut">
               <a:rPr lang="fr-FR" smtClean="0"/>
-              <a:t>12/09/2025</a:t>
+              <a:t>13/09/2025</a:t>
             </a:fld>
             <a:endParaRPr lang="fr-FR"/>
           </a:p>
@@ -2091,7 +2096,7 @@
           <a:p>
             <a:fld id="{F4FF5F66-A46B-42C7-973F-41E2F010D167}" type="datetimeFigureOut">
               <a:rPr lang="fr-FR" smtClean="0"/>
-              <a:t>12/09/2025</a:t>
+              <a:t>13/09/2025</a:t>
             </a:fld>
             <a:endParaRPr lang="fr-FR"/>
           </a:p>
@@ -2404,7 +2409,7 @@
           <a:p>
             <a:fld id="{F4FF5F66-A46B-42C7-973F-41E2F010D167}" type="datetimeFigureOut">
               <a:rPr lang="fr-FR" smtClean="0"/>
-              <a:t>12/09/2025</a:t>
+              <a:t>13/09/2025</a:t>
             </a:fld>
             <a:endParaRPr lang="fr-FR"/>
           </a:p>
@@ -2693,7 +2698,7 @@
           <a:p>
             <a:fld id="{F4FF5F66-A46B-42C7-973F-41E2F010D167}" type="datetimeFigureOut">
               <a:rPr lang="fr-FR" smtClean="0"/>
-              <a:t>12/09/2025</a:t>
+              <a:t>13/09/2025</a:t>
             </a:fld>
             <a:endParaRPr lang="fr-FR"/>
           </a:p>
@@ -2936,7 +2941,7 @@
           <a:p>
             <a:fld id="{F4FF5F66-A46B-42C7-973F-41E2F010D167}" type="datetimeFigureOut">
               <a:rPr lang="fr-FR" smtClean="0"/>
-              <a:t>12/09/2025</a:t>
+              <a:t>13/09/2025</a:t>
             </a:fld>
             <a:endParaRPr lang="fr-FR"/>
           </a:p>
@@ -3423,7 +3428,7 @@
 </file>
 
 <file path=ppt/slides/slide10.xml><?xml version="1.0" encoding="utf-8"?>
-<p:sld xmlns:a="http://schemas.openxmlformats.org/drawingml/2006/main" xmlns:r="http://schemas.openxmlformats.org/officeDocument/2006/relationships" xmlns:p="http://schemas.openxmlformats.org/presentationml/2006/main">
+<p:sld xmlns:a="http://schemas.openxmlformats.org/drawingml/2006/main" xmlns:r="http://schemas.openxmlformats.org/officeDocument/2006/relationships" xmlns:p="http://schemas.openxmlformats.org/presentationml/2006/main" show="0">
   <p:cSld>
     <p:spTree>
       <p:nvGrpSpPr>
@@ -3536,7 +3541,7 @@
 </file>
 
 <file path=ppt/slides/slide11.xml><?xml version="1.0" encoding="utf-8"?>
-<p:sld xmlns:a="http://schemas.openxmlformats.org/drawingml/2006/main" xmlns:r="http://schemas.openxmlformats.org/officeDocument/2006/relationships" xmlns:p="http://schemas.openxmlformats.org/presentationml/2006/main">
+<p:sld xmlns:a="http://schemas.openxmlformats.org/drawingml/2006/main" xmlns:r="http://schemas.openxmlformats.org/officeDocument/2006/relationships" xmlns:p="http://schemas.openxmlformats.org/presentationml/2006/main" show="0">
   <p:cSld>
     <p:spTree>
       <p:nvGrpSpPr>
@@ -3634,7 +3639,7 @@
 </file>
 
 <file path=ppt/slides/slide12.xml><?xml version="1.0" encoding="utf-8"?>
-<p:sld xmlns:a="http://schemas.openxmlformats.org/drawingml/2006/main" xmlns:r="http://schemas.openxmlformats.org/officeDocument/2006/relationships" xmlns:p="http://schemas.openxmlformats.org/presentationml/2006/main">
+<p:sld xmlns:a="http://schemas.openxmlformats.org/drawingml/2006/main" xmlns:r="http://schemas.openxmlformats.org/officeDocument/2006/relationships" xmlns:p="http://schemas.openxmlformats.org/presentationml/2006/main" show="0">
   <p:cSld>
     <p:spTree>
       <p:nvGrpSpPr>
@@ -4340,16 +4345,12 @@
           <a:lstStyle/>
           <a:p>
             <a:r>
+              <a:rPr lang="fr-FR" dirty="0"/>
+              <a:t>Python vs Java (&amp; </a:t>
+            </a:r>
+            <a:r>
               <a:rPr lang="fr-FR" dirty="0" err="1"/>
-              <a:t>Difference</a:t>
-            </a:r>
-            <a:r>
-              <a:rPr lang="fr-FR" dirty="0"/>
-              <a:t> to </a:t>
-            </a:r>
-            <a:r>
-              <a:rPr lang="fr-FR" dirty="0" err="1"/>
-              <a:t>Other</a:t>
+              <a:t>Similar</a:t>
             </a:r>
             <a:r>
               <a:rPr lang="fr-FR" dirty="0"/>
@@ -4357,9 +4358,12 @@
             </a:r>
             <a:r>
               <a:rPr lang="fr-FR" dirty="0" err="1"/>
-              <a:t>Languages</a:t>
-            </a:r>
-            <a:endParaRPr lang="fr-FR" dirty="0"/>
+              <a:t>languages</a:t>
+            </a:r>
+            <a:r>
+              <a:rPr lang="fr-FR" dirty="0"/>
+              <a:t>)</a:t>
+            </a:r>
           </a:p>
         </p:txBody>
       </p:sp>
@@ -4497,7 +4501,80 @@
           <a:bodyPr/>
           <a:lstStyle/>
           <a:p>
-            <a:endParaRPr lang="fr-FR"/>
+            <a:r>
+              <a:rPr lang="fr-FR" dirty="0" err="1"/>
+              <a:t>Refer</a:t>
+            </a:r>
+            <a:r>
+              <a:rPr lang="fr-FR" dirty="0"/>
+              <a:t> to: </a:t>
+            </a:r>
+            <a:r>
+              <a:rPr lang="fr-FR" b="1" dirty="0"/>
+              <a:t>02_Setup_Python.pdf </a:t>
+            </a:r>
+            <a:r>
+              <a:rPr lang="fr-FR" dirty="0"/>
+              <a:t> in Python Installation and Basics</a:t>
+            </a:r>
+          </a:p>
+          <a:p>
+            <a:r>
+              <a:rPr lang="fr-FR" b="1" dirty="0"/>
+              <a:t>Following document:</a:t>
+            </a:r>
+          </a:p>
+          <a:p>
+            <a:pPr lvl="1"/>
+            <a:r>
+              <a:rPr lang="en-US" dirty="0"/>
+              <a:t>1.2.1. Installing Python (latest stable release - 3.9 or 3.10)</a:t>
+            </a:r>
+          </a:p>
+          <a:p>
+            <a:pPr lvl="1"/>
+            <a:r>
+              <a:rPr lang="en-US" dirty="0"/>
+              <a:t>1.2.2. Installing and setting up VS Code as Python IDE (</a:t>
+            </a:r>
+            <a:r>
+              <a:rPr lang="en-US" dirty="0" err="1"/>
+              <a:t>GoogleColab</a:t>
+            </a:r>
+            <a:br>
+              <a:rPr lang="en-US" dirty="0"/>
+            </a:br>
+            <a:r>
+              <a:rPr lang="en-US" dirty="0"/>
+              <a:t>and </a:t>
+            </a:r>
+            <a:r>
+              <a:rPr lang="en-US" dirty="0" err="1"/>
+              <a:t>Jupyter</a:t>
+            </a:r>
+            <a:r>
+              <a:rPr lang="en-US" dirty="0"/>
+              <a:t> </a:t>
+            </a:r>
+            <a:r>
+              <a:rPr lang="en-US" dirty="0" err="1"/>
+              <a:t>NoteBook</a:t>
+            </a:r>
+            <a:r>
+              <a:rPr lang="en-US" dirty="0"/>
+              <a:t>)</a:t>
+            </a:r>
+          </a:p>
+          <a:p>
+            <a:r>
+              <a:rPr lang="en-US" dirty="0"/>
+              <a:t>We will be using </a:t>
+            </a:r>
+            <a:r>
+              <a:rPr lang="en-US"/>
+              <a:t>Vscode</a:t>
+            </a:r>
+            <a:endParaRPr lang="fr-FR" dirty="0"/>
           </a:p>
         </p:txBody>
       </p:sp>
@@ -4515,7 +4592,7 @@
 </file>
 
 <file path=ppt/slides/slide7.xml><?xml version="1.0" encoding="utf-8"?>
-<p:sld xmlns:a="http://schemas.openxmlformats.org/drawingml/2006/main" xmlns:r="http://schemas.openxmlformats.org/officeDocument/2006/relationships" xmlns:p="http://schemas.openxmlformats.org/presentationml/2006/main">
+<p:sld xmlns:a="http://schemas.openxmlformats.org/drawingml/2006/main" xmlns:r="http://schemas.openxmlformats.org/officeDocument/2006/relationships" xmlns:p="http://schemas.openxmlformats.org/presentationml/2006/main" show="0">
   <p:cSld>
     <p:spTree>
       <p:nvGrpSpPr>
@@ -4627,7 +4704,7 @@
 </file>
 
 <file path=ppt/slides/slide8.xml><?xml version="1.0" encoding="utf-8"?>
-<p:sld xmlns:a="http://schemas.openxmlformats.org/drawingml/2006/main" xmlns:r="http://schemas.openxmlformats.org/officeDocument/2006/relationships" xmlns:p="http://schemas.openxmlformats.org/presentationml/2006/main">
+<p:sld xmlns:a="http://schemas.openxmlformats.org/drawingml/2006/main" xmlns:r="http://schemas.openxmlformats.org/officeDocument/2006/relationships" xmlns:p="http://schemas.openxmlformats.org/presentationml/2006/main" show="0">
   <p:cSld>
     <p:spTree>
       <p:nvGrpSpPr>
@@ -4743,7 +4820,7 @@
 </file>
 
 <file path=ppt/slides/slide9.xml><?xml version="1.0" encoding="utf-8"?>
-<p:sld xmlns:a="http://schemas.openxmlformats.org/drawingml/2006/main" xmlns:r="http://schemas.openxmlformats.org/officeDocument/2006/relationships" xmlns:p="http://schemas.openxmlformats.org/presentationml/2006/main">
+<p:sld xmlns:a="http://schemas.openxmlformats.org/drawingml/2006/main" xmlns:r="http://schemas.openxmlformats.org/officeDocument/2006/relationships" xmlns:p="http://schemas.openxmlformats.org/presentationml/2006/main" show="0">
   <p:cSld>
     <p:spTree>
       <p:nvGrpSpPr>
